--- a/Presentation.pptx
+++ b/Presentation.pptx
@@ -319,7 +319,7 @@
           <a:p>
             <a:fld id="{FB14EA68-3FF9-42C4-9B0F-F9AD9C58AA00}" type="datetimeFigureOut">
               <a:rPr lang="en-US" smtClean="0"/>
-              <a:t>7/25/2021</a:t>
+              <a:t>7/29/2021</a:t>
             </a:fld>
             <a:endParaRPr lang="en-US"/>
           </a:p>
@@ -657,7 +657,7 @@
           <a:p>
             <a:fld id="{FB14EA68-3FF9-42C4-9B0F-F9AD9C58AA00}" type="datetimeFigureOut">
               <a:rPr lang="en-US" smtClean="0"/>
-              <a:t>7/25/2021</a:t>
+              <a:t>7/29/2021</a:t>
             </a:fld>
             <a:endParaRPr lang="en-US"/>
           </a:p>
@@ -1058,7 +1058,7 @@
           <a:p>
             <a:fld id="{FB14EA68-3FF9-42C4-9B0F-F9AD9C58AA00}" type="datetimeFigureOut">
               <a:rPr lang="en-US" smtClean="0"/>
-              <a:t>7/25/2021</a:t>
+              <a:t>7/29/2021</a:t>
             </a:fld>
             <a:endParaRPr lang="en-US"/>
           </a:p>
@@ -1394,7 +1394,7 @@
           <a:p>
             <a:fld id="{FB14EA68-3FF9-42C4-9B0F-F9AD9C58AA00}" type="datetimeFigureOut">
               <a:rPr lang="en-US" smtClean="0"/>
-              <a:t>7/25/2021</a:t>
+              <a:t>7/29/2021</a:t>
             </a:fld>
             <a:endParaRPr lang="en-US"/>
           </a:p>
@@ -1714,7 +1714,7 @@
           <a:p>
             <a:fld id="{FB14EA68-3FF9-42C4-9B0F-F9AD9C58AA00}" type="datetimeFigureOut">
               <a:rPr lang="en-US" smtClean="0"/>
-              <a:t>7/25/2021</a:t>
+              <a:t>7/29/2021</a:t>
             </a:fld>
             <a:endParaRPr lang="en-US"/>
           </a:p>
@@ -2110,7 +2110,7 @@
           <a:p>
             <a:fld id="{FB14EA68-3FF9-42C4-9B0F-F9AD9C58AA00}" type="datetimeFigureOut">
               <a:rPr lang="en-US" smtClean="0"/>
-              <a:t>7/25/2021</a:t>
+              <a:t>7/29/2021</a:t>
             </a:fld>
             <a:endParaRPr lang="en-US"/>
           </a:p>
@@ -2367,7 +2367,7 @@
           <a:p>
             <a:fld id="{FB14EA68-3FF9-42C4-9B0F-F9AD9C58AA00}" type="datetimeFigureOut">
               <a:rPr lang="en-US" smtClean="0"/>
-              <a:t>7/25/2021</a:t>
+              <a:t>7/29/2021</a:t>
             </a:fld>
             <a:endParaRPr lang="en-US"/>
           </a:p>
@@ -2629,7 +2629,7 @@
           <a:p>
             <a:fld id="{FB14EA68-3FF9-42C4-9B0F-F9AD9C58AA00}" type="datetimeFigureOut">
               <a:rPr lang="en-US" smtClean="0"/>
-              <a:t>7/25/2021</a:t>
+              <a:t>7/29/2021</a:t>
             </a:fld>
             <a:endParaRPr lang="en-US"/>
           </a:p>
@@ -2891,7 +2891,7 @@
           <a:p>
             <a:fld id="{FB14EA68-3FF9-42C4-9B0F-F9AD9C58AA00}" type="datetimeFigureOut">
               <a:rPr lang="en-US" smtClean="0"/>
-              <a:t>7/25/2021</a:t>
+              <a:t>7/29/2021</a:t>
             </a:fld>
             <a:endParaRPr lang="en-US"/>
           </a:p>
@@ -3220,7 +3220,7 @@
           <a:p>
             <a:fld id="{FB14EA68-3FF9-42C4-9B0F-F9AD9C58AA00}" type="datetimeFigureOut">
               <a:rPr lang="en-US" smtClean="0"/>
-              <a:t>7/25/2021</a:t>
+              <a:t>7/29/2021</a:t>
             </a:fld>
             <a:endParaRPr lang="en-US"/>
           </a:p>
@@ -3543,7 +3543,7 @@
           <a:p>
             <a:fld id="{FB14EA68-3FF9-42C4-9B0F-F9AD9C58AA00}" type="datetimeFigureOut">
               <a:rPr lang="en-US" smtClean="0"/>
-              <a:t>7/25/2021</a:t>
+              <a:t>7/29/2021</a:t>
             </a:fld>
             <a:endParaRPr lang="en-US"/>
           </a:p>
@@ -4000,7 +4000,7 @@
           <a:p>
             <a:fld id="{FB14EA68-3FF9-42C4-9B0F-F9AD9C58AA00}" type="datetimeFigureOut">
               <a:rPr lang="en-US" smtClean="0"/>
-              <a:t>7/25/2021</a:t>
+              <a:t>7/29/2021</a:t>
             </a:fld>
             <a:endParaRPr lang="en-US"/>
           </a:p>
@@ -4205,7 +4205,7 @@
           <a:p>
             <a:fld id="{FB14EA68-3FF9-42C4-9B0F-F9AD9C58AA00}" type="datetimeFigureOut">
               <a:rPr lang="en-US" smtClean="0"/>
-              <a:t>7/25/2021</a:t>
+              <a:t>7/29/2021</a:t>
             </a:fld>
             <a:endParaRPr lang="en-US"/>
           </a:p>
@@ -4382,7 +4382,7 @@
           <a:p>
             <a:fld id="{FB14EA68-3FF9-42C4-9B0F-F9AD9C58AA00}" type="datetimeFigureOut">
               <a:rPr lang="en-US" smtClean="0"/>
-              <a:t>7/25/2021</a:t>
+              <a:t>7/29/2021</a:t>
             </a:fld>
             <a:endParaRPr lang="en-US"/>
           </a:p>
@@ -4715,7 +4715,7 @@
           <a:p>
             <a:fld id="{FB14EA68-3FF9-42C4-9B0F-F9AD9C58AA00}" type="datetimeFigureOut">
               <a:rPr lang="en-US" smtClean="0"/>
-              <a:t>7/25/2021</a:t>
+              <a:t>7/29/2021</a:t>
             </a:fld>
             <a:endParaRPr lang="en-US"/>
           </a:p>
@@ -5060,7 +5060,7 @@
           <a:p>
             <a:fld id="{FB14EA68-3FF9-42C4-9B0F-F9AD9C58AA00}" type="datetimeFigureOut">
               <a:rPr lang="en-US" smtClean="0"/>
-              <a:t>7/25/2021</a:t>
+              <a:t>7/29/2021</a:t>
             </a:fld>
             <a:endParaRPr lang="en-US"/>
           </a:p>
@@ -7177,7 +7177,7 @@
           <a:p>
             <a:fld id="{FB14EA68-3FF9-42C4-9B0F-F9AD9C58AA00}" type="datetimeFigureOut">
               <a:rPr lang="en-US" smtClean="0"/>
-              <a:t>7/25/2021</a:t>
+              <a:t>7/29/2021</a:t>
             </a:fld>
             <a:endParaRPr lang="en-US"/>
           </a:p>
@@ -7811,7 +7811,7 @@
           <a:p>
             <a:r>
               <a:rPr lang="en-US" dirty="0"/>
-              <a:t>Location scouting in New York State</a:t>
+              <a:t>Location Scouting in New York State</a:t>
             </a:r>
           </a:p>
         </p:txBody>
@@ -10299,19 +10299,26 @@
           <a:p>
             <a:r>
               <a:rPr lang="en-US" dirty="0"/>
-              <a:t>Contractors want the best location when opening a new business. </a:t>
+              <a:t>Contractors want the best location when opening a new business and would review different factors which would affect the state of their business</a:t>
             </a:r>
           </a:p>
           <a:p>
+            <a:pPr lvl="1"/>
             <a:r>
               <a:rPr lang="en-US" dirty="0"/>
-              <a:t>Gain insight on scouting a potential location for new businesses</a:t>
+              <a:t>Many contractors consider local vendors, suppliers, budget constraints, and more when searching for an ideal location</a:t>
             </a:r>
           </a:p>
           <a:p>
             <a:r>
               <a:rPr lang="en-US" dirty="0"/>
-              <a:t>Others interested in this analysis would be investors, entrepreneurs, and small businesses aiming to promote or expand their business.</a:t>
+              <a:t>Selecting the best location can help alleviate the potential financial risk for a new business</a:t>
+            </a:r>
+          </a:p>
+          <a:p>
+            <a:r>
+              <a:rPr lang="en-US" dirty="0"/>
+              <a:t>Others interested in this analysis would be investors, entrepreneurs, and small businesses aiming to promote or expand their business</a:t>
             </a:r>
           </a:p>
         </p:txBody>
@@ -11617,6 +11624,41 @@
           </a:graphicData>
         </a:graphic>
       </p:graphicFrame>
+      <p:sp>
+        <p:nvSpPr>
+          <p:cNvPr id="3" name="TextBox 2">
+            <a:extLst>
+              <a:ext uri="{FF2B5EF4-FFF2-40B4-BE49-F238E27FC236}">
+                <a16:creationId xmlns:a16="http://schemas.microsoft.com/office/drawing/2014/main" id="{75C2906E-1EC6-425C-9E9F-0048B0B4FF59}"/>
+              </a:ext>
+            </a:extLst>
+          </p:cNvPr>
+          <p:cNvSpPr txBox="1"/>
+          <p:nvPr/>
+        </p:nvSpPr>
+        <p:spPr>
+          <a:xfrm>
+            <a:off x="1911096" y="5385816"/>
+            <a:ext cx="9290304" cy="1200329"/>
+          </a:xfrm>
+          <a:prstGeom prst="rect">
+            <a:avLst/>
+          </a:prstGeom>
+          <a:noFill/>
+        </p:spPr>
+        <p:txBody>
+          <a:bodyPr wrap="square" rtlCol="0">
+            <a:spAutoFit/>
+          </a:bodyPr>
+          <a:lstStyle/>
+          <a:p>
+            <a:r>
+              <a:rPr lang="en-US" dirty="0"/>
+              <a:t>We can infer from the table above that the Manhattan and Brooklyn boroughs have a large number and percentage of households with a fixed income. This type of information is useful to understand how much the business can gain profit and the amount of financial risk involved.</a:t>
+            </a:r>
+          </a:p>
+        </p:txBody>
+      </p:sp>
     </p:spTree>
     <p:extLst>
       <p:ext uri="{BB962C8B-B14F-4D97-AF65-F5344CB8AC3E}">
@@ -11690,63 +11732,63 @@
           <p:nvPr>
             <p:extLst>
               <p:ext uri="{D42A27DB-BD31-4B8C-83A1-F6EECF244321}">
-                <p14:modId xmlns:p14="http://schemas.microsoft.com/office/powerpoint/2010/main" val="1233244667"/>
+                <p14:modId xmlns:p14="http://schemas.microsoft.com/office/powerpoint/2010/main" val="745927352"/>
               </p:ext>
             </p:extLst>
           </p:nvPr>
         </p:nvGraphicFramePr>
         <p:xfrm>
-          <a:off x="838199" y="2218214"/>
-          <a:ext cx="10515603" cy="4114800"/>
+          <a:off x="2171698" y="1825022"/>
+          <a:ext cx="7848603" cy="2931738"/>
         </p:xfrm>
         <a:graphic>
           <a:graphicData uri="http://schemas.openxmlformats.org/drawingml/2006/table">
             <a:tbl>
               <a:tblPr/>
               <a:tblGrid>
-                <a:gridCol w="1502229">
+                <a:gridCol w="1121229">
                   <a:extLst>
                     <a:ext uri="{9D8B030D-6E8A-4147-A177-3AD203B41FA5}">
                       <a16:colId xmlns:a16="http://schemas.microsoft.com/office/drawing/2014/main" val="3634542983"/>
                     </a:ext>
                   </a:extLst>
                 </a:gridCol>
-                <a:gridCol w="1502229">
+                <a:gridCol w="1121229">
                   <a:extLst>
                     <a:ext uri="{9D8B030D-6E8A-4147-A177-3AD203B41FA5}">
                       <a16:colId xmlns:a16="http://schemas.microsoft.com/office/drawing/2014/main" val="287615791"/>
                     </a:ext>
                   </a:extLst>
                 </a:gridCol>
-                <a:gridCol w="1502229">
+                <a:gridCol w="1121229">
                   <a:extLst>
                     <a:ext uri="{9D8B030D-6E8A-4147-A177-3AD203B41FA5}">
                       <a16:colId xmlns:a16="http://schemas.microsoft.com/office/drawing/2014/main" val="173124628"/>
                     </a:ext>
                   </a:extLst>
                 </a:gridCol>
-                <a:gridCol w="1502229">
+                <a:gridCol w="1121229">
                   <a:extLst>
                     <a:ext uri="{9D8B030D-6E8A-4147-A177-3AD203B41FA5}">
                       <a16:colId xmlns:a16="http://schemas.microsoft.com/office/drawing/2014/main" val="2741733108"/>
                     </a:ext>
                   </a:extLst>
                 </a:gridCol>
-                <a:gridCol w="1502229">
+                <a:gridCol w="1121229">
                   <a:extLst>
                     <a:ext uri="{9D8B030D-6E8A-4147-A177-3AD203B41FA5}">
                       <a16:colId xmlns:a16="http://schemas.microsoft.com/office/drawing/2014/main" val="4055348118"/>
                     </a:ext>
                   </a:extLst>
                 </a:gridCol>
-                <a:gridCol w="1502229">
+                <a:gridCol w="1121229">
                   <a:extLst>
                     <a:ext uri="{9D8B030D-6E8A-4147-A177-3AD203B41FA5}">
                       <a16:colId xmlns:a16="http://schemas.microsoft.com/office/drawing/2014/main" val="3651852860"/>
                     </a:ext>
                   </a:extLst>
                 </a:gridCol>
-                <a:gridCol w="1502229">
+                <a:gridCol w="1121229">
                   <a:extLst>
                     <a:ext uri="{9D8B030D-6E8A-4147-A177-3AD203B41FA5}">
                       <a16:colId xmlns:a16="http://schemas.microsoft.com/office/drawing/2014/main" val="2401397449"/>
@@ -11754,14 +11796,14 @@
                   </a:extLst>
                 </a:gridCol>
               </a:tblGrid>
-              <a:tr h="640080">
+              <a:tr h="452017">
                 <a:tc>
                   <a:txBody>
                     <a:bodyPr/>
                     <a:lstStyle/>
                     <a:p>
                       <a:pPr algn="r" fontAlgn="ctr"/>
-                      <a:endParaRPr lang="en-US" sz="1800" b="1" dirty="0">
+                      <a:endParaRPr lang="en-US" sz="1200" b="1" dirty="0">
                         <a:effectLst/>
                       </a:endParaRPr>
                     </a:p>
@@ -11831,7 +11873,7 @@
                         <a:defRPr/>
                       </a:pPr>
                       <a:r>
-                        <a:rPr lang="en-US" sz="1800" b="1" dirty="0">
+                        <a:rPr lang="en-US" sz="1200" b="1" dirty="0">
                           <a:effectLst/>
                         </a:rPr>
                         <a:t>LATITUDE</a:t>
@@ -11839,7 +11881,7 @@
                     </a:p>
                     <a:p>
                       <a:pPr algn="r" fontAlgn="ctr"/>
-                      <a:endParaRPr lang="en-US" sz="1800" b="1" dirty="0">
+                      <a:endParaRPr lang="en-US" sz="1200" b="1" dirty="0">
                         <a:effectLst/>
                       </a:endParaRPr>
                     </a:p>
@@ -11909,7 +11951,7 @@
                         <a:defRPr/>
                       </a:pPr>
                       <a:r>
-                        <a:rPr lang="en-US" sz="1800" b="1" dirty="0">
+                        <a:rPr lang="en-US" sz="1200" b="1" dirty="0">
                           <a:effectLst/>
                         </a:rPr>
                         <a:t>LONGITUDE</a:t>
@@ -11917,7 +11959,7 @@
                     </a:p>
                     <a:p>
                       <a:pPr algn="r" fontAlgn="ctr"/>
-                      <a:endParaRPr lang="en-US" sz="1800" b="1" dirty="0">
+                      <a:endParaRPr lang="en-US" sz="1200" b="1" dirty="0">
                         <a:effectLst/>
                       </a:endParaRPr>
                     </a:p>
@@ -11987,7 +12029,7 @@
                         <a:defRPr/>
                       </a:pPr>
                       <a:r>
-                        <a:rPr lang="en-US" sz="1800" b="1" dirty="0">
+                        <a:rPr lang="en-US" sz="1200" b="1" dirty="0">
                           <a:effectLst/>
                         </a:rPr>
                         <a:t>NAME</a:t>
@@ -11995,7 +12037,7 @@
                     </a:p>
                     <a:p>
                       <a:pPr algn="r" fontAlgn="ctr"/>
-                      <a:endParaRPr lang="en-US" sz="1800" b="1" dirty="0">
+                      <a:endParaRPr lang="en-US" sz="1200" b="1" dirty="0">
                         <a:effectLst/>
                       </a:endParaRPr>
                     </a:p>
@@ -12065,7 +12107,7 @@
                         <a:defRPr/>
                       </a:pPr>
                       <a:r>
-                        <a:rPr lang="en-US" sz="1800" b="1" dirty="0">
+                        <a:rPr lang="en-US" sz="1200" b="1" dirty="0">
                           <a:effectLst/>
                         </a:rPr>
                         <a:t>VENUE_LATITUDE</a:t>
@@ -12073,7 +12115,7 @@
                     </a:p>
                     <a:p>
                       <a:pPr algn="r" fontAlgn="ctr"/>
-                      <a:endParaRPr lang="en-US" sz="1800" b="1" dirty="0">
+                      <a:endParaRPr lang="en-US" sz="1200" b="1" dirty="0">
                         <a:effectLst/>
                       </a:endParaRPr>
                     </a:p>
@@ -12143,7 +12185,7 @@
                         <a:defRPr/>
                       </a:pPr>
                       <a:r>
-                        <a:rPr lang="en-US" sz="1800" b="1" dirty="0">
+                        <a:rPr lang="en-US" sz="1200" b="1" dirty="0">
                           <a:effectLst/>
                         </a:rPr>
                         <a:t>VENUE_LONGITUDE</a:t>
@@ -12151,7 +12193,7 @@
                     </a:p>
                     <a:p>
                       <a:pPr algn="r" fontAlgn="ctr"/>
-                      <a:endParaRPr lang="en-US" sz="1800" b="1" dirty="0">
+                      <a:endParaRPr lang="en-US" sz="1200" b="1" dirty="0">
                         <a:effectLst/>
                       </a:endParaRPr>
                     </a:p>
@@ -12221,14 +12263,14 @@
                         <a:defRPr/>
                       </a:pPr>
                       <a:r>
-                        <a:rPr lang="en-US" sz="1800" b="1" dirty="0">
+                        <a:rPr lang="en-US" sz="1200" b="1" dirty="0">
                           <a:effectLst/>
                         </a:rPr>
                         <a:t>VENUE_CATEGORY</a:t>
                       </a:r>
                     </a:p>
                     <a:p>
-                      <a:endParaRPr lang="en-US" sz="1800" dirty="0"/>
+                      <a:endParaRPr lang="en-US" sz="1200" dirty="0"/>
                     </a:p>
                   </a:txBody>
                   <a:tcPr>
@@ -12276,7 +12318,7 @@
                   </a:ext>
                 </a:extLst>
               </a:tr>
-              <a:tr h="640080">
+              <a:tr h="452017">
                 <a:tc>
                   <a:txBody>
                     <a:bodyPr/>
@@ -12284,7 +12326,7 @@
                     <a:p>
                       <a:pPr algn="r" fontAlgn="ctr"/>
                       <a:r>
-                        <a:rPr lang="en-US" sz="1800">
+                        <a:rPr lang="en-US" sz="1200">
                           <a:effectLst/>
                         </a:rPr>
                         <a:t>0</a:t>
@@ -12340,7 +12382,7 @@
                     <a:p>
                       <a:pPr algn="r" fontAlgn="ctr"/>
                       <a:r>
-                        <a:rPr lang="en-US" sz="1800">
+                        <a:rPr lang="en-US" sz="1200">
                           <a:effectLst/>
                         </a:rPr>
                         <a:t>40.847028</a:t>
@@ -12396,7 +12438,7 @@
                     <a:p>
                       <a:pPr algn="r" fontAlgn="ctr"/>
                       <a:r>
-                        <a:rPr lang="en-US" sz="1800" dirty="0">
+                        <a:rPr lang="en-US" sz="1200" dirty="0">
                           <a:effectLst/>
                         </a:rPr>
                         <a:t>-73.898061</a:t>
@@ -12452,7 +12494,7 @@
                     <a:p>
                       <a:pPr algn="r" fontAlgn="ctr"/>
                       <a:r>
-                        <a:rPr lang="en-US" sz="1800" dirty="0">
+                        <a:rPr lang="en-US" sz="1200" dirty="0">
                           <a:effectLst/>
                         </a:rPr>
                         <a:t>Napoli's Best Pizza</a:t>
@@ -12508,7 +12550,7 @@
                     <a:p>
                       <a:pPr algn="r" fontAlgn="ctr"/>
                       <a:r>
-                        <a:rPr lang="en-US" sz="1800">
+                        <a:rPr lang="en-US" sz="1200">
                           <a:effectLst/>
                         </a:rPr>
                         <a:t>40.846903</a:t>
@@ -12564,7 +12606,7 @@
                     <a:p>
                       <a:pPr algn="r" fontAlgn="ctr"/>
                       <a:r>
-                        <a:rPr lang="en-US" sz="1800">
+                        <a:rPr lang="en-US" sz="1200">
                           <a:effectLst/>
                         </a:rPr>
                         <a:t>-73.896335</a:t>
@@ -12620,7 +12662,7 @@
                     <a:p>
                       <a:pPr algn="r" fontAlgn="ctr"/>
                       <a:r>
-                        <a:rPr lang="en-US" sz="1800">
+                        <a:rPr lang="en-US" sz="1200">
                           <a:effectLst/>
                         </a:rPr>
                         <a:t>Pizza Place</a:t>
@@ -12675,7 +12717,7 @@
                   </a:ext>
                 </a:extLst>
               </a:tr>
-              <a:tr h="640080">
+              <a:tr h="452017">
                 <a:tc>
                   <a:txBody>
                     <a:bodyPr/>
@@ -12683,7 +12725,7 @@
                     <a:p>
                       <a:pPr algn="r" fontAlgn="ctr"/>
                       <a:r>
-                        <a:rPr lang="en-US" sz="1800">
+                        <a:rPr lang="en-US" sz="1200">
                           <a:effectLst/>
                         </a:rPr>
                         <a:t>1</a:t>
@@ -12739,7 +12781,7 @@
                     <a:p>
                       <a:pPr algn="r" fontAlgn="ctr"/>
                       <a:r>
-                        <a:rPr lang="en-US" sz="1800">
+                        <a:rPr lang="en-US" sz="1200">
                           <a:effectLst/>
                         </a:rPr>
                         <a:t>40.847028</a:t>
@@ -12795,7 +12837,7 @@
                     <a:p>
                       <a:pPr algn="r" fontAlgn="ctr"/>
                       <a:r>
-                        <a:rPr lang="en-US" sz="1800">
+                        <a:rPr lang="en-US" sz="1200">
                           <a:effectLst/>
                         </a:rPr>
                         <a:t>-73.898061</a:t>
@@ -12851,7 +12893,7 @@
                     <a:p>
                       <a:pPr algn="r" fontAlgn="ctr"/>
                       <a:r>
-                        <a:rPr lang="en-US" sz="1800" dirty="0">
+                        <a:rPr lang="en-US" sz="1200" dirty="0">
                           <a:effectLst/>
                         </a:rPr>
                         <a:t>7-Eleven</a:t>
@@ -12907,7 +12949,7 @@
                     <a:p>
                       <a:pPr algn="r" fontAlgn="ctr"/>
                       <a:r>
-                        <a:rPr lang="en-US" sz="1800" dirty="0">
+                        <a:rPr lang="en-US" sz="1200" dirty="0">
                           <a:effectLst/>
                         </a:rPr>
                         <a:t>40.846679</a:t>
@@ -12963,7 +13005,7 @@
                     <a:p>
                       <a:pPr algn="r" fontAlgn="ctr"/>
                       <a:r>
-                        <a:rPr lang="en-US" sz="1800" dirty="0">
+                        <a:rPr lang="en-US" sz="1200" dirty="0">
                           <a:effectLst/>
                         </a:rPr>
                         <a:t>-73.902036</a:t>
@@ -13019,7 +13061,7 @@
                     <a:p>
                       <a:pPr algn="r" fontAlgn="ctr"/>
                       <a:r>
-                        <a:rPr lang="en-US" sz="1800">
+                        <a:rPr lang="en-US" sz="1200">
                           <a:effectLst/>
                         </a:rPr>
                         <a:t>Convenience Store</a:t>
@@ -13074,7 +13116,7 @@
                   </a:ext>
                 </a:extLst>
               </a:tr>
-              <a:tr h="365760">
+              <a:tr h="258295">
                 <a:tc>
                   <a:txBody>
                     <a:bodyPr/>
@@ -13082,7 +13124,7 @@
                     <a:p>
                       <a:pPr algn="r" fontAlgn="ctr"/>
                       <a:r>
-                        <a:rPr lang="en-US" sz="1800">
+                        <a:rPr lang="en-US" sz="1200">
                           <a:effectLst/>
                         </a:rPr>
                         <a:t>2</a:t>
@@ -13138,7 +13180,7 @@
                     <a:p>
                       <a:pPr algn="r" fontAlgn="ctr"/>
                       <a:r>
-                        <a:rPr lang="en-US" sz="1800">
+                        <a:rPr lang="en-US" sz="1200">
                           <a:effectLst/>
                         </a:rPr>
                         <a:t>40.847028</a:t>
@@ -13194,7 +13236,7 @@
                     <a:p>
                       <a:pPr algn="r" fontAlgn="ctr"/>
                       <a:r>
-                        <a:rPr lang="en-US" sz="1800">
+                        <a:rPr lang="en-US" sz="1200">
                           <a:effectLst/>
                         </a:rPr>
                         <a:t>-73.898061</a:t>
@@ -13250,7 +13292,7 @@
                     <a:p>
                       <a:pPr algn="r" fontAlgn="ctr"/>
                       <a:r>
-                        <a:rPr lang="en-US" sz="1800">
+                        <a:rPr lang="en-US" sz="1200">
                           <a:effectLst/>
                         </a:rPr>
                         <a:t>Tremont Park</a:t>
@@ -13306,7 +13348,7 @@
                     <a:p>
                       <a:pPr algn="r" fontAlgn="ctr"/>
                       <a:r>
-                        <a:rPr lang="en-US" sz="1800">
+                        <a:rPr lang="en-US" sz="1200" dirty="0">
                           <a:effectLst/>
                         </a:rPr>
                         <a:t>40.845145</a:t>
@@ -13362,7 +13404,7 @@
                     <a:p>
                       <a:pPr algn="r" fontAlgn="ctr"/>
                       <a:r>
-                        <a:rPr lang="en-US" sz="1800">
+                        <a:rPr lang="en-US" sz="1200" dirty="0">
                           <a:effectLst/>
                         </a:rPr>
                         <a:t>-73.895416</a:t>
@@ -13418,7 +13460,7 @@
                     <a:p>
                       <a:pPr algn="r" fontAlgn="ctr"/>
                       <a:r>
-                        <a:rPr lang="en-US" sz="1800" dirty="0">
+                        <a:rPr lang="en-US" sz="1200" dirty="0">
                           <a:effectLst/>
                         </a:rPr>
                         <a:t>Park</a:t>
@@ -13473,7 +13515,7 @@
                   </a:ext>
                 </a:extLst>
               </a:tr>
-              <a:tr h="914400">
+              <a:tr h="645738">
                 <a:tc>
                   <a:txBody>
                     <a:bodyPr/>
@@ -13481,7 +13523,7 @@
                     <a:p>
                       <a:pPr algn="r" fontAlgn="ctr"/>
                       <a:r>
-                        <a:rPr lang="en-US" sz="1800">
+                        <a:rPr lang="en-US" sz="1200">
                           <a:effectLst/>
                         </a:rPr>
                         <a:t>3</a:t>
@@ -13537,7 +13579,7 @@
                     <a:p>
                       <a:pPr algn="r" fontAlgn="ctr"/>
                       <a:r>
-                        <a:rPr lang="en-US" sz="1800">
+                        <a:rPr lang="en-US" sz="1200">
                           <a:effectLst/>
                         </a:rPr>
                         <a:t>40.847028</a:t>
@@ -13593,7 +13635,7 @@
                     <a:p>
                       <a:pPr algn="r" fontAlgn="ctr"/>
                       <a:r>
-                        <a:rPr lang="en-US" sz="1800">
+                        <a:rPr lang="en-US" sz="1200">
                           <a:effectLst/>
                         </a:rPr>
                         <a:t>-73.898061</a:t>
@@ -13649,7 +13691,7 @@
                     <a:p>
                       <a:pPr algn="r" fontAlgn="ctr"/>
                       <a:r>
-                        <a:rPr lang="en-US" sz="1800">
+                        <a:rPr lang="en-US" sz="1200">
                           <a:effectLst/>
                         </a:rPr>
                         <a:t>Luna Night Club &amp; Lounge</a:t>
@@ -13705,7 +13747,7 @@
                     <a:p>
                       <a:pPr algn="r" fontAlgn="ctr"/>
                       <a:r>
-                        <a:rPr lang="en-US" sz="1800">
+                        <a:rPr lang="en-US" sz="1200">
                           <a:effectLst/>
                         </a:rPr>
                         <a:t>40.846210</a:t>
@@ -13761,7 +13803,7 @@
                     <a:p>
                       <a:pPr algn="r" fontAlgn="ctr"/>
                       <a:r>
-                        <a:rPr lang="en-US" sz="1800">
+                        <a:rPr lang="en-US" sz="1200" dirty="0">
                           <a:effectLst/>
                         </a:rPr>
                         <a:t>-73.901241</a:t>
@@ -13817,7 +13859,7 @@
                     <a:p>
                       <a:pPr algn="r" fontAlgn="ctr"/>
                       <a:r>
-                        <a:rPr lang="en-US" sz="1800" dirty="0">
+                        <a:rPr lang="en-US" sz="1200" dirty="0">
                           <a:effectLst/>
                         </a:rPr>
                         <a:t>Nightclub</a:t>
@@ -13872,7 +13914,7 @@
                   </a:ext>
                 </a:extLst>
               </a:tr>
-              <a:tr h="365760">
+              <a:tr h="258295">
                 <a:tc>
                   <a:txBody>
                     <a:bodyPr/>
@@ -13880,7 +13922,7 @@
                     <a:p>
                       <a:pPr algn="r" fontAlgn="ctr"/>
                       <a:r>
-                        <a:rPr lang="en-US" sz="1800">
+                        <a:rPr lang="en-US" sz="1200">
                           <a:effectLst/>
                         </a:rPr>
                         <a:t>4</a:t>
@@ -13936,7 +13978,7 @@
                     <a:p>
                       <a:pPr algn="r" fontAlgn="ctr"/>
                       <a:r>
-                        <a:rPr lang="en-US" sz="1800">
+                        <a:rPr lang="en-US" sz="1200">
                           <a:effectLst/>
                         </a:rPr>
                         <a:t>40.847028</a:t>
@@ -13992,7 +14034,7 @@
                     <a:p>
                       <a:pPr algn="r" fontAlgn="ctr"/>
                       <a:r>
-                        <a:rPr lang="en-US" sz="1800">
+                        <a:rPr lang="en-US" sz="1200">
                           <a:effectLst/>
                         </a:rPr>
                         <a:t>-73.898061</a:t>
@@ -14048,7 +14090,7 @@
                     <a:p>
                       <a:pPr algn="r" fontAlgn="ctr"/>
                       <a:r>
-                        <a:rPr lang="en-US" sz="1800">
+                        <a:rPr lang="en-US" sz="1200">
                           <a:effectLst/>
                         </a:rPr>
                         <a:t>Dunkin'</a:t>
@@ -14104,7 +14146,7 @@
                     <a:p>
                       <a:pPr algn="r" fontAlgn="ctr"/>
                       <a:r>
-                        <a:rPr lang="en-US" sz="1800">
+                        <a:rPr lang="en-US" sz="1200">
                           <a:effectLst/>
                         </a:rPr>
                         <a:t>40.844449</a:t>
@@ -14160,7 +14202,7 @@
                     <a:p>
                       <a:pPr algn="r" fontAlgn="ctr"/>
                       <a:r>
-                        <a:rPr lang="en-US" sz="1800">
+                        <a:rPr lang="en-US" sz="1200">
                           <a:effectLst/>
                         </a:rPr>
                         <a:t>-73.897744</a:t>
@@ -14216,7 +14258,7 @@
                     <a:p>
                       <a:pPr algn="r" fontAlgn="ctr"/>
                       <a:r>
-                        <a:rPr lang="en-US" sz="1800" dirty="0">
+                        <a:rPr lang="en-US" sz="1200" dirty="0">
                           <a:effectLst/>
                         </a:rPr>
                         <a:t>Donut Shop</a:t>
@@ -14275,6 +14317,41 @@
           </a:graphicData>
         </a:graphic>
       </p:graphicFrame>
+      <p:sp>
+        <p:nvSpPr>
+          <p:cNvPr id="3" name="TextBox 2">
+            <a:extLst>
+              <a:ext uri="{FF2B5EF4-FFF2-40B4-BE49-F238E27FC236}">
+                <a16:creationId xmlns:a16="http://schemas.microsoft.com/office/drawing/2014/main" id="{88119400-596C-4169-BD20-CC9B36074BD2}"/>
+              </a:ext>
+            </a:extLst>
+          </p:cNvPr>
+          <p:cNvSpPr txBox="1"/>
+          <p:nvPr/>
+        </p:nvSpPr>
+        <p:spPr>
+          <a:xfrm>
+            <a:off x="2377440" y="5248656"/>
+            <a:ext cx="7671816" cy="923330"/>
+          </a:xfrm>
+          <a:prstGeom prst="rect">
+            <a:avLst/>
+          </a:prstGeom>
+          <a:noFill/>
+        </p:spPr>
+        <p:txBody>
+          <a:bodyPr wrap="square" rtlCol="0">
+            <a:spAutoFit/>
+          </a:bodyPr>
+          <a:lstStyle/>
+          <a:p>
+            <a:r>
+              <a:rPr lang="en-US" dirty="0"/>
+              <a:t>The table above displays a portion of venues available in the different boroughs from the dataset. We can use this data to gain a better understanding of the venues located in each borough. </a:t>
+            </a:r>
+          </a:p>
+        </p:txBody>
+      </p:sp>
     </p:spTree>
     <p:extLst>
       <p:ext uri="{BB962C8B-B14F-4D97-AF65-F5344CB8AC3E}">
@@ -14348,14 +14425,14 @@
           <p:nvPr>
             <p:extLst>
               <p:ext uri="{D42A27DB-BD31-4B8C-83A1-F6EECF244321}">
-                <p14:modId xmlns:p14="http://schemas.microsoft.com/office/powerpoint/2010/main" val="766094308"/>
+                <p14:modId xmlns:p14="http://schemas.microsoft.com/office/powerpoint/2010/main" val="2841436691"/>
               </p:ext>
             </p:extLst>
           </p:nvPr>
         </p:nvGraphicFramePr>
         <p:xfrm>
           <a:off x="1187989" y="1690688"/>
-          <a:ext cx="3698973" cy="4445000"/>
+          <a:ext cx="3347435" cy="4445000"/>
         </p:xfrm>
         <a:graphic>
           <a:graphicData uri="http://schemas.openxmlformats.org/drawingml/2006/table">
@@ -14364,14 +14441,14 @@
                 <a:tableStyleId>{5C22544A-7EE6-4342-B048-85BDC9FD1C3A}</a:tableStyleId>
               </a:tblPr>
               <a:tblGrid>
-                <a:gridCol w="2743200">
+                <a:gridCol w="2482495">
                   <a:extLst>
                     <a:ext uri="{9D8B030D-6E8A-4147-A177-3AD203B41FA5}">
                       <a16:colId xmlns:a16="http://schemas.microsoft.com/office/drawing/2014/main" val="1207452815"/>
                     </a:ext>
                   </a:extLst>
                 </a:gridCol>
-                <a:gridCol w="955773">
+                <a:gridCol w="864940">
                   <a:extLst>
                     <a:ext uri="{9D8B030D-6E8A-4147-A177-3AD203B41FA5}">
                       <a16:colId xmlns:a16="http://schemas.microsoft.com/office/drawing/2014/main" val="608232000"/>
@@ -14419,7 +14496,7 @@
                     <a:lstStyle/>
                     <a:p>
                       <a:r>
-                        <a:rPr lang="en-US" dirty="0"/>
+                        <a:rPr lang="en-US" sz="1400" dirty="0"/>
                         <a:t>Pizza Place</a:t>
                       </a:r>
                     </a:p>
@@ -14432,7 +14509,7 @@
                     <a:lstStyle/>
                     <a:p>
                       <a:r>
-                        <a:rPr lang="en-US" dirty="0"/>
+                        <a:rPr lang="en-US" sz="1400" dirty="0"/>
                         <a:t>120</a:t>
                       </a:r>
                     </a:p>
@@ -14452,7 +14529,7 @@
                     <a:lstStyle/>
                     <a:p>
                       <a:r>
-                        <a:rPr lang="en-US" dirty="0"/>
+                        <a:rPr lang="en-US" sz="1400" dirty="0"/>
                         <a:t>Coffee Shop</a:t>
                       </a:r>
                     </a:p>
@@ -14465,7 +14542,7 @@
                     <a:lstStyle/>
                     <a:p>
                       <a:r>
-                        <a:rPr lang="en-US" dirty="0"/>
+                        <a:rPr lang="en-US" sz="1400" dirty="0"/>
                         <a:t>119</a:t>
                       </a:r>
                     </a:p>
@@ -14485,7 +14562,7 @@
                     <a:lstStyle/>
                     <a:p>
                       <a:r>
-                        <a:rPr lang="en-US" dirty="0"/>
+                        <a:rPr lang="en-US" sz="1400" dirty="0"/>
                         <a:t>Korean Restaurant</a:t>
                       </a:r>
                     </a:p>
@@ -14498,7 +14575,7 @@
                     <a:lstStyle/>
                     <a:p>
                       <a:r>
-                        <a:rPr lang="en-US" dirty="0"/>
+                        <a:rPr lang="en-US" sz="1400" dirty="0"/>
                         <a:t>102</a:t>
                       </a:r>
                     </a:p>
@@ -14518,7 +14595,7 @@
                     <a:lstStyle/>
                     <a:p>
                       <a:r>
-                        <a:rPr lang="en-US" dirty="0"/>
+                        <a:rPr lang="en-US" sz="1400" dirty="0"/>
                         <a:t>Bar</a:t>
                       </a:r>
                     </a:p>
@@ -14531,7 +14608,7 @@
                     <a:lstStyle/>
                     <a:p>
                       <a:r>
-                        <a:rPr lang="en-US" dirty="0"/>
+                        <a:rPr lang="en-US" sz="1400" dirty="0"/>
                         <a:t>98</a:t>
                       </a:r>
                     </a:p>
@@ -14551,7 +14628,7 @@
                     <a:lstStyle/>
                     <a:p>
                       <a:r>
-                        <a:rPr lang="en-US" dirty="0"/>
+                        <a:rPr lang="en-US" sz="1400" dirty="0"/>
                         <a:t>Harbor / Marina</a:t>
                       </a:r>
                     </a:p>
@@ -14564,7 +14641,7 @@
                     <a:lstStyle/>
                     <a:p>
                       <a:r>
-                        <a:rPr lang="en-US" dirty="0"/>
+                        <a:rPr lang="en-US" sz="1400" dirty="0"/>
                         <a:t>82</a:t>
                       </a:r>
                     </a:p>
@@ -14584,7 +14661,7 @@
                     <a:lstStyle/>
                     <a:p>
                       <a:r>
-                        <a:rPr lang="en-US" dirty="0"/>
+                        <a:rPr lang="en-US" sz="1400" dirty="0"/>
                         <a:t>…</a:t>
                       </a:r>
                     </a:p>
@@ -14597,7 +14674,7 @@
                     <a:lstStyle/>
                     <a:p>
                       <a:r>
-                        <a:rPr lang="en-US" dirty="0"/>
+                        <a:rPr lang="en-US" sz="1400" dirty="0"/>
                         <a:t>…</a:t>
                       </a:r>
                     </a:p>
@@ -14617,7 +14694,7 @@
                     <a:lstStyle/>
                     <a:p>
                       <a:r>
-                        <a:rPr lang="en-US" dirty="0"/>
+                        <a:rPr lang="en-US" sz="1400" dirty="0"/>
                         <a:t>Bubble Tea Shop</a:t>
                       </a:r>
                     </a:p>
@@ -14630,7 +14707,7 @@
                     <a:lstStyle/>
                     <a:p>
                       <a:r>
-                        <a:rPr lang="en-US" dirty="0"/>
+                        <a:rPr lang="en-US" sz="1400" dirty="0"/>
                         <a:t>1</a:t>
                       </a:r>
                     </a:p>
@@ -14650,7 +14727,7 @@
                     <a:lstStyle/>
                     <a:p>
                       <a:r>
-                        <a:rPr lang="en-US" dirty="0"/>
+                        <a:rPr lang="en-US" sz="1400" dirty="0"/>
                         <a:t>Pet Café</a:t>
                       </a:r>
                     </a:p>
@@ -14663,7 +14740,7 @@
                     <a:lstStyle/>
                     <a:p>
                       <a:r>
-                        <a:rPr lang="en-US" dirty="0"/>
+                        <a:rPr lang="en-US" sz="1400" dirty="0"/>
                         <a:t>1</a:t>
                       </a:r>
                     </a:p>
@@ -14683,7 +14760,7 @@
                     <a:lstStyle/>
                     <a:p>
                       <a:r>
-                        <a:rPr lang="en-US" dirty="0"/>
+                        <a:rPr lang="en-US" sz="1400" dirty="0"/>
                         <a:t>Lake</a:t>
                       </a:r>
                     </a:p>
@@ -14696,7 +14773,7 @@
                     <a:lstStyle/>
                     <a:p>
                       <a:r>
-                        <a:rPr lang="en-US" dirty="0"/>
+                        <a:rPr lang="en-US" sz="1400" dirty="0"/>
                         <a:t>1</a:t>
                       </a:r>
                     </a:p>
@@ -14716,7 +14793,7 @@
                     <a:lstStyle/>
                     <a:p>
                       <a:r>
-                        <a:rPr lang="en-US" dirty="0"/>
+                        <a:rPr lang="en-US" sz="1400" dirty="0"/>
                         <a:t>Rental Car Location</a:t>
                       </a:r>
                     </a:p>
@@ -14729,7 +14806,7 @@
                     <a:lstStyle/>
                     <a:p>
                       <a:r>
-                        <a:rPr lang="en-US" dirty="0"/>
+                        <a:rPr lang="en-US" sz="1400" dirty="0"/>
                         <a:t>1</a:t>
                       </a:r>
                     </a:p>
@@ -14749,7 +14826,7 @@
                     <a:lstStyle/>
                     <a:p>
                       <a:r>
-                        <a:rPr lang="en-US" dirty="0"/>
+                        <a:rPr lang="en-US" sz="1400" dirty="0"/>
                         <a:t>Filipino Restaurant</a:t>
                       </a:r>
                     </a:p>
@@ -14762,7 +14839,7 @@
                     <a:lstStyle/>
                     <a:p>
                       <a:r>
-                        <a:rPr lang="en-US" dirty="0"/>
+                        <a:rPr lang="en-US" sz="1400" dirty="0"/>
                         <a:t>1</a:t>
                       </a:r>
                     </a:p>
@@ -14794,14 +14871,14 @@
           <p:nvPr>
             <p:extLst>
               <p:ext uri="{D42A27DB-BD31-4B8C-83A1-F6EECF244321}">
-                <p14:modId xmlns:p14="http://schemas.microsoft.com/office/powerpoint/2010/main" val="4076426019"/>
+                <p14:modId xmlns:p14="http://schemas.microsoft.com/office/powerpoint/2010/main" val="1159598333"/>
               </p:ext>
             </p:extLst>
           </p:nvPr>
         </p:nvGraphicFramePr>
         <p:xfrm>
-          <a:off x="7305039" y="1690688"/>
-          <a:ext cx="3602445" cy="4450080"/>
+          <a:off x="4713877" y="1690688"/>
+          <a:ext cx="3698972" cy="4446348"/>
         </p:xfrm>
         <a:graphic>
           <a:graphicData uri="http://schemas.openxmlformats.org/drawingml/2006/table">
@@ -14810,14 +14887,14 @@
                 <a:tableStyleId>{5C22544A-7EE6-4342-B048-85BDC9FD1C3A}</a:tableStyleId>
               </a:tblPr>
               <a:tblGrid>
-                <a:gridCol w="2743200">
+                <a:gridCol w="2816703">
                   <a:extLst>
                     <a:ext uri="{9D8B030D-6E8A-4147-A177-3AD203B41FA5}">
                       <a16:colId xmlns:a16="http://schemas.microsoft.com/office/drawing/2014/main" val="1207452815"/>
                     </a:ext>
                   </a:extLst>
                 </a:gridCol>
-                <a:gridCol w="859245">
+                <a:gridCol w="882269">
                   <a:extLst>
                     <a:ext uri="{9D8B030D-6E8A-4147-A177-3AD203B41FA5}">
                       <a16:colId xmlns:a16="http://schemas.microsoft.com/office/drawing/2014/main" val="608232000"/>
@@ -14825,7 +14902,7 @@
                   </a:extLst>
                 </a:gridCol>
               </a:tblGrid>
-              <a:tr h="370840">
+              <a:tr h="364409">
                 <a:tc>
                   <a:txBody>
                     <a:bodyPr/>
@@ -14858,14 +14935,14 @@
                   </a:ext>
                 </a:extLst>
               </a:tr>
-              <a:tr h="370840">
+              <a:tr h="347994">
                 <a:tc>
                   <a:txBody>
                     <a:bodyPr/>
                     <a:lstStyle/>
                     <a:p>
                       <a:r>
-                        <a:rPr lang="en-US" dirty="0"/>
+                        <a:rPr lang="en-US" sz="1400" dirty="0"/>
                         <a:t>Deli / Bodega</a:t>
                       </a:r>
                     </a:p>
@@ -14878,7 +14955,7 @@
                     <a:lstStyle/>
                     <a:p>
                       <a:r>
-                        <a:rPr lang="en-US" dirty="0"/>
+                        <a:rPr lang="en-US" sz="1400" dirty="0"/>
                         <a:t>158</a:t>
                       </a:r>
                     </a:p>
@@ -14891,14 +14968,14 @@
                   </a:ext>
                 </a:extLst>
               </a:tr>
-              <a:tr h="370840">
+              <a:tr h="347994">
                 <a:tc>
                   <a:txBody>
                     <a:bodyPr/>
                     <a:lstStyle/>
                     <a:p>
                       <a:r>
-                        <a:rPr lang="en-US" dirty="0"/>
+                        <a:rPr lang="en-US" sz="1400" dirty="0"/>
                         <a:t>Gym</a:t>
                       </a:r>
                     </a:p>
@@ -14911,7 +14988,7 @@
                     <a:lstStyle/>
                     <a:p>
                       <a:r>
-                        <a:rPr lang="en-US" dirty="0"/>
+                        <a:rPr lang="en-US" sz="1400" dirty="0"/>
                         <a:t>113</a:t>
                       </a:r>
                     </a:p>
@@ -14924,14 +15001,14 @@
                   </a:ext>
                 </a:extLst>
               </a:tr>
-              <a:tr h="370840">
+              <a:tr h="347994">
                 <a:tc>
                   <a:txBody>
                     <a:bodyPr/>
                     <a:lstStyle/>
                     <a:p>
                       <a:r>
-                        <a:rPr lang="en-US" dirty="0"/>
+                        <a:rPr lang="en-US" sz="1400" dirty="0"/>
                         <a:t>Café</a:t>
                       </a:r>
                     </a:p>
@@ -14944,7 +15021,7 @@
                     <a:lstStyle/>
                     <a:p>
                       <a:r>
-                        <a:rPr lang="en-US" dirty="0"/>
+                        <a:rPr lang="en-US" sz="1400" dirty="0"/>
                         <a:t>97</a:t>
                       </a:r>
                     </a:p>
@@ -14957,14 +15034,14 @@
                   </a:ext>
                 </a:extLst>
               </a:tr>
-              <a:tr h="370840">
+              <a:tr h="347994">
                 <a:tc>
                   <a:txBody>
                     <a:bodyPr/>
                     <a:lstStyle/>
                     <a:p>
                       <a:r>
-                        <a:rPr lang="en-US" dirty="0"/>
+                        <a:rPr lang="en-US" sz="1400" dirty="0"/>
                         <a:t>Wine Shop</a:t>
                       </a:r>
                     </a:p>
@@ -14977,7 +15054,7 @@
                     <a:lstStyle/>
                     <a:p>
                       <a:r>
-                        <a:rPr lang="en-US" dirty="0"/>
+                        <a:rPr lang="en-US" sz="1400" dirty="0"/>
                         <a:t>84</a:t>
                       </a:r>
                     </a:p>
@@ -14990,14 +15067,14 @@
                   </a:ext>
                 </a:extLst>
               </a:tr>
-              <a:tr h="370840">
+              <a:tr h="347994">
                 <a:tc>
                   <a:txBody>
                     <a:bodyPr/>
                     <a:lstStyle/>
                     <a:p>
                       <a:r>
-                        <a:rPr lang="en-US" dirty="0"/>
+                        <a:rPr lang="en-US" sz="1400" dirty="0"/>
                         <a:t>Friend Chicken Joint</a:t>
                       </a:r>
                     </a:p>
@@ -15010,7 +15087,7 @@
                     <a:lstStyle/>
                     <a:p>
                       <a:r>
-                        <a:rPr lang="en-US" dirty="0"/>
+                        <a:rPr lang="en-US" sz="1400" dirty="0"/>
                         <a:t>78</a:t>
                       </a:r>
                     </a:p>
@@ -15023,14 +15100,14 @@
                   </a:ext>
                 </a:extLst>
               </a:tr>
-              <a:tr h="370840">
+              <a:tr h="347994">
                 <a:tc>
                   <a:txBody>
                     <a:bodyPr/>
                     <a:lstStyle/>
                     <a:p>
                       <a:r>
-                        <a:rPr lang="en-US" dirty="0"/>
+                        <a:rPr lang="en-US" sz="1400" dirty="0"/>
                         <a:t>…</a:t>
                       </a:r>
                     </a:p>
@@ -15043,7 +15120,7 @@
                     <a:lstStyle/>
                     <a:p>
                       <a:r>
-                        <a:rPr lang="en-US" dirty="0"/>
+                        <a:rPr lang="en-US" sz="1400" dirty="0"/>
                         <a:t>…</a:t>
                       </a:r>
                     </a:p>
@@ -15056,14 +15133,14 @@
                   </a:ext>
                 </a:extLst>
               </a:tr>
-              <a:tr h="370840">
+              <a:tr h="347994">
                 <a:tc>
                   <a:txBody>
                     <a:bodyPr/>
                     <a:lstStyle/>
                     <a:p>
                       <a:r>
-                        <a:rPr lang="en-US" dirty="0"/>
+                        <a:rPr lang="en-US" sz="1400" dirty="0"/>
                         <a:t>Wine Bar</a:t>
                       </a:r>
                     </a:p>
@@ -15076,7 +15153,7 @@
                     <a:lstStyle/>
                     <a:p>
                       <a:r>
-                        <a:rPr lang="en-US" dirty="0"/>
+                        <a:rPr lang="en-US" sz="1400" dirty="0"/>
                         <a:t>1</a:t>
                       </a:r>
                     </a:p>
@@ -15089,14 +15166,14 @@
                   </a:ext>
                 </a:extLst>
               </a:tr>
-              <a:tr h="370840">
+              <a:tr h="600648">
                 <a:tc>
                   <a:txBody>
                     <a:bodyPr/>
                     <a:lstStyle/>
                     <a:p>
                       <a:r>
-                        <a:rPr lang="en-US" dirty="0"/>
+                        <a:rPr lang="en-US" sz="1400" dirty="0"/>
                         <a:t>Fruit &amp; Vegetable Store</a:t>
                       </a:r>
                     </a:p>
@@ -15109,7 +15186,7 @@
                     <a:lstStyle/>
                     <a:p>
                       <a:r>
-                        <a:rPr lang="en-US" dirty="0"/>
+                        <a:rPr lang="en-US" sz="1400" dirty="0"/>
                         <a:t>1</a:t>
                       </a:r>
                     </a:p>
@@ -15122,14 +15199,14 @@
                   </a:ext>
                 </a:extLst>
               </a:tr>
-              <a:tr h="370840">
+              <a:tr h="347994">
                 <a:tc>
                   <a:txBody>
                     <a:bodyPr/>
                     <a:lstStyle/>
                     <a:p>
                       <a:r>
-                        <a:rPr lang="en-US" dirty="0"/>
+                        <a:rPr lang="en-US" sz="1400" dirty="0"/>
                         <a:t>Mac &amp; Cheese Joint</a:t>
                       </a:r>
                     </a:p>
@@ -15142,7 +15219,7 @@
                     <a:lstStyle/>
                     <a:p>
                       <a:r>
-                        <a:rPr lang="en-US" dirty="0"/>
+                        <a:rPr lang="en-US" sz="1400" dirty="0"/>
                         <a:t>1</a:t>
                       </a:r>
                     </a:p>
@@ -15155,14 +15232,14 @@
                   </a:ext>
                 </a:extLst>
               </a:tr>
-              <a:tr h="370840">
+              <a:tr h="347994">
                 <a:tc>
                   <a:txBody>
                     <a:bodyPr/>
                     <a:lstStyle/>
                     <a:p>
                       <a:r>
-                        <a:rPr lang="en-US" dirty="0"/>
+                        <a:rPr lang="en-US" sz="1400" dirty="0"/>
                         <a:t>Snack Place</a:t>
                       </a:r>
                     </a:p>
@@ -15175,7 +15252,7 @@
                     <a:lstStyle/>
                     <a:p>
                       <a:r>
-                        <a:rPr lang="en-US" dirty="0"/>
+                        <a:rPr lang="en-US" sz="1400" dirty="0"/>
                         <a:t>1</a:t>
                       </a:r>
                     </a:p>
@@ -15188,14 +15265,14 @@
                   </a:ext>
                 </a:extLst>
               </a:tr>
-              <a:tr h="370840">
+              <a:tr h="347994">
                 <a:tc>
                   <a:txBody>
                     <a:bodyPr/>
                     <a:lstStyle/>
                     <a:p>
                       <a:r>
-                        <a:rPr lang="en-US" dirty="0"/>
+                        <a:rPr lang="en-US" sz="1400" dirty="0"/>
                         <a:t>Community Center</a:t>
                       </a:r>
                     </a:p>
@@ -15208,7 +15285,7 @@
                     <a:lstStyle/>
                     <a:p>
                       <a:r>
-                        <a:rPr lang="en-US" dirty="0"/>
+                        <a:rPr lang="en-US" sz="1400" dirty="0"/>
                         <a:t>1</a:t>
                       </a:r>
                     </a:p>
@@ -15275,7 +15352,7 @@
         </p:nvSpPr>
         <p:spPr>
           <a:xfrm>
-            <a:off x="7517749" y="6308209"/>
+            <a:off x="4926587" y="6233890"/>
             <a:ext cx="3273552" cy="369332"/>
           </a:xfrm>
           <a:prstGeom prst="rect">
@@ -15293,6 +15370,47 @@
             <a:r>
               <a:rPr lang="en-US" dirty="0"/>
               <a:t>Brooklyn</a:t>
+            </a:r>
+          </a:p>
+        </p:txBody>
+      </p:sp>
+      <p:sp>
+        <p:nvSpPr>
+          <p:cNvPr id="3" name="TextBox 2">
+            <a:extLst>
+              <a:ext uri="{FF2B5EF4-FFF2-40B4-BE49-F238E27FC236}">
+                <a16:creationId xmlns:a16="http://schemas.microsoft.com/office/drawing/2014/main" id="{E028DD85-218F-4869-B5DD-AB5F761AAF5D}"/>
+              </a:ext>
+            </a:extLst>
+          </p:cNvPr>
+          <p:cNvSpPr txBox="1"/>
+          <p:nvPr/>
+        </p:nvSpPr>
+        <p:spPr>
+          <a:xfrm>
+            <a:off x="8558784" y="1690688"/>
+            <a:ext cx="3310128" cy="3970318"/>
+          </a:xfrm>
+          <a:prstGeom prst="rect">
+            <a:avLst/>
+          </a:prstGeom>
+          <a:noFill/>
+        </p:spPr>
+        <p:txBody>
+          <a:bodyPr wrap="square" rtlCol="0">
+            <a:spAutoFit/>
+          </a:bodyPr>
+          <a:lstStyle/>
+          <a:p>
+            <a:r>
+              <a:rPr lang="en-US" dirty="0"/>
+              <a:t>	Since the data infers that the Manhattan and Brooklyn boroughs offer the most potential locations financially, we can continue our analysis regarding venues in these boroughs. </a:t>
+            </a:r>
+          </a:p>
+          <a:p>
+            <a:r>
+              <a:rPr lang="en-US" dirty="0"/>
+              <a:t>	It’s clear that in both boroughs, there is a high number of food venues that would offer competition should a contractor start a food business.</a:t>
             </a:r>
           </a:p>
         </p:txBody>
@@ -15377,14 +15495,49 @@
         </p:blipFill>
         <p:spPr>
           <a:xfrm>
-            <a:off x="2149941" y="1690688"/>
-            <a:ext cx="7892118" cy="4717679"/>
+            <a:off x="3219400" y="1513905"/>
+            <a:ext cx="5753200" cy="3439096"/>
           </a:xfrm>
           <a:prstGeom prst="rect">
             <a:avLst/>
           </a:prstGeom>
         </p:spPr>
       </p:pic>
+      <p:sp>
+        <p:nvSpPr>
+          <p:cNvPr id="3" name="TextBox 2">
+            <a:extLst>
+              <a:ext uri="{FF2B5EF4-FFF2-40B4-BE49-F238E27FC236}">
+                <a16:creationId xmlns:a16="http://schemas.microsoft.com/office/drawing/2014/main" id="{F96B71B1-CC4B-48B6-9CCB-6408BB065D9A}"/>
+              </a:ext>
+            </a:extLst>
+          </p:cNvPr>
+          <p:cNvSpPr txBox="1"/>
+          <p:nvPr/>
+        </p:nvSpPr>
+        <p:spPr>
+          <a:xfrm>
+            <a:off x="2020824" y="5212080"/>
+            <a:ext cx="8631936" cy="923330"/>
+          </a:xfrm>
+          <a:prstGeom prst="rect">
+            <a:avLst/>
+          </a:prstGeom>
+          <a:noFill/>
+        </p:spPr>
+        <p:txBody>
+          <a:bodyPr wrap="square" rtlCol="0">
+            <a:spAutoFit/>
+          </a:bodyPr>
+          <a:lstStyle/>
+          <a:p>
+            <a:r>
+              <a:rPr lang="en-US" dirty="0"/>
+              <a:t>In this image, we can visualize the locations of the different venues in each borough. Both the Manhattan and Brooklyn boroughs, represented as blue and red respectively, have the most clustered venues in an area. </a:t>
+            </a:r>
+          </a:p>
+        </p:txBody>
+      </p:sp>
     </p:spTree>
     <p:extLst>
       <p:ext uri="{BB962C8B-B14F-4D97-AF65-F5344CB8AC3E}">
@@ -15467,7 +15620,15 @@
           <a:p>
             <a:r>
               <a:rPr lang="en-US" dirty="0"/>
-              <a:t>Identify potential locations in different New York boroughs</a:t>
+              <a:t>Identify potential locations in the Manhattan </a:t>
+            </a:r>
+            <a:r>
+              <a:rPr lang="en-US"/>
+              <a:t>and Brooklyn </a:t>
+            </a:r>
+            <a:r>
+              <a:rPr lang="en-US" dirty="0"/>
+              <a:t>boroughs</a:t>
             </a:r>
           </a:p>
           <a:p>
